--- a/ppt 16-9/0512.求主佑我中华.pptx
+++ b/ppt 16-9/0512.求主佑我中华.pptx
@@ -5,7 +5,7 @@
     <p:sldMasterId id="2147483648" r:id="rId1"/>
   </p:sldMasterIdLst>
   <p:sldIdLst>
-    <p:sldId id="3335" r:id="rId2"/>
+    <p:sldId id="2239" r:id="rId2"/>
   </p:sldIdLst>
   <p:sldSz cx="12192000" cy="6858000"/>
   <p:notesSz cx="6858000" cy="9144000"/>
@@ -129,7 +129,7 @@
           <p:cNvPr id="2" name="标题 1">
             <a:extLst>
               <a:ext uri="{FF2B5EF4-FFF2-40B4-BE49-F238E27FC236}">
-                <a16:creationId xmlns:a16="http://schemas.microsoft.com/office/drawing/2014/main" id="{5C21209C-F3A3-DBD9-90FD-007A27C412FB}"/>
+                <a16:creationId xmlns:a16="http://schemas.microsoft.com/office/drawing/2014/main" id="{00C7ABFF-D6E3-57A2-1A21-973187745E17}"/>
               </a:ext>
             </a:extLst>
           </p:cNvPr>
@@ -166,7 +166,7 @@
           <p:cNvPr id="3" name="副标题 2">
             <a:extLst>
               <a:ext uri="{FF2B5EF4-FFF2-40B4-BE49-F238E27FC236}">
-                <a16:creationId xmlns:a16="http://schemas.microsoft.com/office/drawing/2014/main" id="{92D3F2C4-6F5F-1B71-21F4-BE29937FF173}"/>
+                <a16:creationId xmlns:a16="http://schemas.microsoft.com/office/drawing/2014/main" id="{4504D3B7-AEBE-5D38-7C8A-DB7E36DC7FFF}"/>
               </a:ext>
             </a:extLst>
           </p:cNvPr>
@@ -236,7 +236,7 @@
           <p:cNvPr id="4" name="日期占位符 3">
             <a:extLst>
               <a:ext uri="{FF2B5EF4-FFF2-40B4-BE49-F238E27FC236}">
-                <a16:creationId xmlns:a16="http://schemas.microsoft.com/office/drawing/2014/main" id="{1D797D36-D7A3-5580-D576-98ABCFA1F0C8}"/>
+                <a16:creationId xmlns:a16="http://schemas.microsoft.com/office/drawing/2014/main" id="{6A08BC17-4E83-55B8-A8D1-04B4664FD3FF}"/>
               </a:ext>
             </a:extLst>
           </p:cNvPr>
@@ -252,7 +252,7 @@
           <a:bodyPr/>
           <a:lstStyle/>
           <a:p>
-            <a:fld id="{7E991CFA-305B-4731-99C3-CE8314FDBA8C}" type="datetimeFigureOut">
+            <a:fld id="{5D9D3BD1-404A-48C5-B1B0-C7DBC38CEDB6}" type="datetimeFigureOut">
               <a:rPr lang="zh-CN" altLang="en-US" smtClean="0"/>
               <a:t>2024/3/10</a:t>
             </a:fld>
@@ -265,7 +265,7 @@
           <p:cNvPr id="5" name="页脚占位符 4">
             <a:extLst>
               <a:ext uri="{FF2B5EF4-FFF2-40B4-BE49-F238E27FC236}">
-                <a16:creationId xmlns:a16="http://schemas.microsoft.com/office/drawing/2014/main" id="{B6ACB49B-347D-1CBE-ED72-F8407AD8B4D2}"/>
+                <a16:creationId xmlns:a16="http://schemas.microsoft.com/office/drawing/2014/main" id="{32DFAB7A-674E-C99C-9EF5-3115EC905D9C}"/>
               </a:ext>
             </a:extLst>
           </p:cNvPr>
@@ -290,7 +290,7 @@
           <p:cNvPr id="6" name="灯片编号占位符 5">
             <a:extLst>
               <a:ext uri="{FF2B5EF4-FFF2-40B4-BE49-F238E27FC236}">
-                <a16:creationId xmlns:a16="http://schemas.microsoft.com/office/drawing/2014/main" id="{66566EEE-11C6-2D95-1B83-0007792AEA4C}"/>
+                <a16:creationId xmlns:a16="http://schemas.microsoft.com/office/drawing/2014/main" id="{601AABCB-CA63-F3B6-D80F-2A17B8245B3B}"/>
               </a:ext>
             </a:extLst>
           </p:cNvPr>
@@ -306,7 +306,7 @@
           <a:bodyPr/>
           <a:lstStyle/>
           <a:p>
-            <a:fld id="{76ABBCF2-4A7A-4ED8-8EE9-29496868999E}" type="slidenum">
+            <a:fld id="{09027BDF-7C58-4AC2-85E7-369342A3F4B6}" type="slidenum">
               <a:rPr lang="zh-CN" altLang="en-US" smtClean="0"/>
               <a:t>‹#›</a:t>
             </a:fld>
@@ -317,7 +317,7 @@
     </p:spTree>
     <p:extLst>
       <p:ext uri="{BB962C8B-B14F-4D97-AF65-F5344CB8AC3E}">
-        <p14:creationId xmlns:p14="http://schemas.microsoft.com/office/powerpoint/2010/main" val="3822061586"/>
+        <p14:creationId xmlns:p14="http://schemas.microsoft.com/office/powerpoint/2010/main" val="34823811"/>
       </p:ext>
     </p:extLst>
   </p:cSld>
@@ -349,7 +349,7 @@
           <p:cNvPr id="2" name="标题 1">
             <a:extLst>
               <a:ext uri="{FF2B5EF4-FFF2-40B4-BE49-F238E27FC236}">
-                <a16:creationId xmlns:a16="http://schemas.microsoft.com/office/drawing/2014/main" id="{074E08ED-6017-268A-9982-DFD8C8AB9F98}"/>
+                <a16:creationId xmlns:a16="http://schemas.microsoft.com/office/drawing/2014/main" id="{578C76C5-DE77-D9CD-ACE8-1244B95AC092}"/>
               </a:ext>
             </a:extLst>
           </p:cNvPr>
@@ -377,7 +377,7 @@
           <p:cNvPr id="3" name="竖排文字占位符 2">
             <a:extLst>
               <a:ext uri="{FF2B5EF4-FFF2-40B4-BE49-F238E27FC236}">
-                <a16:creationId xmlns:a16="http://schemas.microsoft.com/office/drawing/2014/main" id="{C2450D7C-3A0B-FEE1-6903-68D79EA2CB91}"/>
+                <a16:creationId xmlns:a16="http://schemas.microsoft.com/office/drawing/2014/main" id="{654CE274-113F-0BEA-404C-E6AF4B1ED828}"/>
               </a:ext>
             </a:extLst>
           </p:cNvPr>
@@ -434,7 +434,7 @@
           <p:cNvPr id="4" name="日期占位符 3">
             <a:extLst>
               <a:ext uri="{FF2B5EF4-FFF2-40B4-BE49-F238E27FC236}">
-                <a16:creationId xmlns:a16="http://schemas.microsoft.com/office/drawing/2014/main" id="{99C190ED-53A8-CAC3-F6CF-25C641F5A5BE}"/>
+                <a16:creationId xmlns:a16="http://schemas.microsoft.com/office/drawing/2014/main" id="{A1A57173-88B7-F75A-2779-7E665332FBA2}"/>
               </a:ext>
             </a:extLst>
           </p:cNvPr>
@@ -450,7 +450,7 @@
           <a:bodyPr/>
           <a:lstStyle/>
           <a:p>
-            <a:fld id="{7E991CFA-305B-4731-99C3-CE8314FDBA8C}" type="datetimeFigureOut">
+            <a:fld id="{5D9D3BD1-404A-48C5-B1B0-C7DBC38CEDB6}" type="datetimeFigureOut">
               <a:rPr lang="zh-CN" altLang="en-US" smtClean="0"/>
               <a:t>2024/3/10</a:t>
             </a:fld>
@@ -463,7 +463,7 @@
           <p:cNvPr id="5" name="页脚占位符 4">
             <a:extLst>
               <a:ext uri="{FF2B5EF4-FFF2-40B4-BE49-F238E27FC236}">
-                <a16:creationId xmlns:a16="http://schemas.microsoft.com/office/drawing/2014/main" id="{F43185B9-1665-5261-51B0-6633D9CB7AEF}"/>
+                <a16:creationId xmlns:a16="http://schemas.microsoft.com/office/drawing/2014/main" id="{76F859CA-68DA-816C-B92D-F649C3E83696}"/>
               </a:ext>
             </a:extLst>
           </p:cNvPr>
@@ -488,7 +488,7 @@
           <p:cNvPr id="6" name="灯片编号占位符 5">
             <a:extLst>
               <a:ext uri="{FF2B5EF4-FFF2-40B4-BE49-F238E27FC236}">
-                <a16:creationId xmlns:a16="http://schemas.microsoft.com/office/drawing/2014/main" id="{9EC67575-5225-C678-846B-28945416F413}"/>
+                <a16:creationId xmlns:a16="http://schemas.microsoft.com/office/drawing/2014/main" id="{1D075C36-E3C0-F432-161B-D6482CEBC0C9}"/>
               </a:ext>
             </a:extLst>
           </p:cNvPr>
@@ -504,7 +504,7 @@
           <a:bodyPr/>
           <a:lstStyle/>
           <a:p>
-            <a:fld id="{76ABBCF2-4A7A-4ED8-8EE9-29496868999E}" type="slidenum">
+            <a:fld id="{09027BDF-7C58-4AC2-85E7-369342A3F4B6}" type="slidenum">
               <a:rPr lang="zh-CN" altLang="en-US" smtClean="0"/>
               <a:t>‹#›</a:t>
             </a:fld>
@@ -515,7 +515,7 @@
     </p:spTree>
     <p:extLst>
       <p:ext uri="{BB962C8B-B14F-4D97-AF65-F5344CB8AC3E}">
-        <p14:creationId xmlns:p14="http://schemas.microsoft.com/office/powerpoint/2010/main" val="1763390388"/>
+        <p14:creationId xmlns:p14="http://schemas.microsoft.com/office/powerpoint/2010/main" val="4009424573"/>
       </p:ext>
     </p:extLst>
   </p:cSld>
@@ -547,7 +547,7 @@
           <p:cNvPr id="2" name="竖排标题 1">
             <a:extLst>
               <a:ext uri="{FF2B5EF4-FFF2-40B4-BE49-F238E27FC236}">
-                <a16:creationId xmlns:a16="http://schemas.microsoft.com/office/drawing/2014/main" id="{640726A5-6D54-E7C4-06AB-B21EE1170B30}"/>
+                <a16:creationId xmlns:a16="http://schemas.microsoft.com/office/drawing/2014/main" id="{C4D79785-F1E1-48C6-75EC-4F933D0E9A7E}"/>
               </a:ext>
             </a:extLst>
           </p:cNvPr>
@@ -580,7 +580,7 @@
           <p:cNvPr id="3" name="竖排文字占位符 2">
             <a:extLst>
               <a:ext uri="{FF2B5EF4-FFF2-40B4-BE49-F238E27FC236}">
-                <a16:creationId xmlns:a16="http://schemas.microsoft.com/office/drawing/2014/main" id="{3D9EF54A-40BE-2A6B-11E4-5E9966187F1A}"/>
+                <a16:creationId xmlns:a16="http://schemas.microsoft.com/office/drawing/2014/main" id="{BBE5E273-EDF5-DD3B-3913-555C744A450E}"/>
               </a:ext>
             </a:extLst>
           </p:cNvPr>
@@ -642,7 +642,7 @@
           <p:cNvPr id="4" name="日期占位符 3">
             <a:extLst>
               <a:ext uri="{FF2B5EF4-FFF2-40B4-BE49-F238E27FC236}">
-                <a16:creationId xmlns:a16="http://schemas.microsoft.com/office/drawing/2014/main" id="{071E14D7-B3BC-C2E0-52DB-5C145F4D9458}"/>
+                <a16:creationId xmlns:a16="http://schemas.microsoft.com/office/drawing/2014/main" id="{D54FD148-573F-6AC2-6ABE-664C735FC447}"/>
               </a:ext>
             </a:extLst>
           </p:cNvPr>
@@ -658,7 +658,7 @@
           <a:bodyPr/>
           <a:lstStyle/>
           <a:p>
-            <a:fld id="{7E991CFA-305B-4731-99C3-CE8314FDBA8C}" type="datetimeFigureOut">
+            <a:fld id="{5D9D3BD1-404A-48C5-B1B0-C7DBC38CEDB6}" type="datetimeFigureOut">
               <a:rPr lang="zh-CN" altLang="en-US" smtClean="0"/>
               <a:t>2024/3/10</a:t>
             </a:fld>
@@ -671,7 +671,7 @@
           <p:cNvPr id="5" name="页脚占位符 4">
             <a:extLst>
               <a:ext uri="{FF2B5EF4-FFF2-40B4-BE49-F238E27FC236}">
-                <a16:creationId xmlns:a16="http://schemas.microsoft.com/office/drawing/2014/main" id="{9588CAB9-0A4F-7AF1-8DBF-5DF3F42F9930}"/>
+                <a16:creationId xmlns:a16="http://schemas.microsoft.com/office/drawing/2014/main" id="{BE3EB41E-29CB-BF59-4CEA-CDCF40383C69}"/>
               </a:ext>
             </a:extLst>
           </p:cNvPr>
@@ -696,7 +696,7 @@
           <p:cNvPr id="6" name="灯片编号占位符 5">
             <a:extLst>
               <a:ext uri="{FF2B5EF4-FFF2-40B4-BE49-F238E27FC236}">
-                <a16:creationId xmlns:a16="http://schemas.microsoft.com/office/drawing/2014/main" id="{F9E8BF5E-A7A6-46B0-9401-6772F0BA3ABF}"/>
+                <a16:creationId xmlns:a16="http://schemas.microsoft.com/office/drawing/2014/main" id="{1B30F349-09EC-5830-ADBC-87ED66478FFA}"/>
               </a:ext>
             </a:extLst>
           </p:cNvPr>
@@ -712,7 +712,7 @@
           <a:bodyPr/>
           <a:lstStyle/>
           <a:p>
-            <a:fld id="{76ABBCF2-4A7A-4ED8-8EE9-29496868999E}" type="slidenum">
+            <a:fld id="{09027BDF-7C58-4AC2-85E7-369342A3F4B6}" type="slidenum">
               <a:rPr lang="zh-CN" altLang="en-US" smtClean="0"/>
               <a:t>‹#›</a:t>
             </a:fld>
@@ -723,7 +723,7 @@
     </p:spTree>
     <p:extLst>
       <p:ext uri="{BB962C8B-B14F-4D97-AF65-F5344CB8AC3E}">
-        <p14:creationId xmlns:p14="http://schemas.microsoft.com/office/powerpoint/2010/main" val="3468071155"/>
+        <p14:creationId xmlns:p14="http://schemas.microsoft.com/office/powerpoint/2010/main" val="2595981342"/>
       </p:ext>
     </p:extLst>
   </p:cSld>
@@ -755,7 +755,7 @@
           <p:cNvPr id="2" name="标题 1">
             <a:extLst>
               <a:ext uri="{FF2B5EF4-FFF2-40B4-BE49-F238E27FC236}">
-                <a16:creationId xmlns:a16="http://schemas.microsoft.com/office/drawing/2014/main" id="{7032A712-48B3-EAA3-06E3-7C6011D9355C}"/>
+                <a16:creationId xmlns:a16="http://schemas.microsoft.com/office/drawing/2014/main" id="{D08674A2-B66E-F766-E94B-46325820908D}"/>
               </a:ext>
             </a:extLst>
           </p:cNvPr>
@@ -783,7 +783,7 @@
           <p:cNvPr id="3" name="内容占位符 2">
             <a:extLst>
               <a:ext uri="{FF2B5EF4-FFF2-40B4-BE49-F238E27FC236}">
-                <a16:creationId xmlns:a16="http://schemas.microsoft.com/office/drawing/2014/main" id="{4C713A4F-8F1D-F530-9D97-606B08F119C0}"/>
+                <a16:creationId xmlns:a16="http://schemas.microsoft.com/office/drawing/2014/main" id="{EFD802CC-093D-F6DA-D738-F2C537B6DF49}"/>
               </a:ext>
             </a:extLst>
           </p:cNvPr>
@@ -840,7 +840,7 @@
           <p:cNvPr id="4" name="日期占位符 3">
             <a:extLst>
               <a:ext uri="{FF2B5EF4-FFF2-40B4-BE49-F238E27FC236}">
-                <a16:creationId xmlns:a16="http://schemas.microsoft.com/office/drawing/2014/main" id="{57BEDD75-6F83-D97E-6CEA-66143E1C654A}"/>
+                <a16:creationId xmlns:a16="http://schemas.microsoft.com/office/drawing/2014/main" id="{2923D96B-FFD0-3789-E629-4C8FF7AB70CC}"/>
               </a:ext>
             </a:extLst>
           </p:cNvPr>
@@ -856,7 +856,7 @@
           <a:bodyPr/>
           <a:lstStyle/>
           <a:p>
-            <a:fld id="{7E991CFA-305B-4731-99C3-CE8314FDBA8C}" type="datetimeFigureOut">
+            <a:fld id="{5D9D3BD1-404A-48C5-B1B0-C7DBC38CEDB6}" type="datetimeFigureOut">
               <a:rPr lang="zh-CN" altLang="en-US" smtClean="0"/>
               <a:t>2024/3/10</a:t>
             </a:fld>
@@ -869,7 +869,7 @@
           <p:cNvPr id="5" name="页脚占位符 4">
             <a:extLst>
               <a:ext uri="{FF2B5EF4-FFF2-40B4-BE49-F238E27FC236}">
-                <a16:creationId xmlns:a16="http://schemas.microsoft.com/office/drawing/2014/main" id="{AC5A3359-5117-B2A4-2042-8CB12AC18510}"/>
+                <a16:creationId xmlns:a16="http://schemas.microsoft.com/office/drawing/2014/main" id="{EFEEB1EC-CA83-1660-6685-C2604B9E66CD}"/>
               </a:ext>
             </a:extLst>
           </p:cNvPr>
@@ -894,7 +894,7 @@
           <p:cNvPr id="6" name="灯片编号占位符 5">
             <a:extLst>
               <a:ext uri="{FF2B5EF4-FFF2-40B4-BE49-F238E27FC236}">
-                <a16:creationId xmlns:a16="http://schemas.microsoft.com/office/drawing/2014/main" id="{0384B1A2-82B8-BEC8-A5DB-A41ADF6A56EE}"/>
+                <a16:creationId xmlns:a16="http://schemas.microsoft.com/office/drawing/2014/main" id="{1F0EBCB9-F694-0CE1-D67C-86C345B85DE0}"/>
               </a:ext>
             </a:extLst>
           </p:cNvPr>
@@ -910,7 +910,7 @@
           <a:bodyPr/>
           <a:lstStyle/>
           <a:p>
-            <a:fld id="{76ABBCF2-4A7A-4ED8-8EE9-29496868999E}" type="slidenum">
+            <a:fld id="{09027BDF-7C58-4AC2-85E7-369342A3F4B6}" type="slidenum">
               <a:rPr lang="zh-CN" altLang="en-US" smtClean="0"/>
               <a:t>‹#›</a:t>
             </a:fld>
@@ -921,7 +921,7 @@
     </p:spTree>
     <p:extLst>
       <p:ext uri="{BB962C8B-B14F-4D97-AF65-F5344CB8AC3E}">
-        <p14:creationId xmlns:p14="http://schemas.microsoft.com/office/powerpoint/2010/main" val="2749040320"/>
+        <p14:creationId xmlns:p14="http://schemas.microsoft.com/office/powerpoint/2010/main" val="3340926577"/>
       </p:ext>
     </p:extLst>
   </p:cSld>
@@ -953,7 +953,7 @@
           <p:cNvPr id="2" name="标题 1">
             <a:extLst>
               <a:ext uri="{FF2B5EF4-FFF2-40B4-BE49-F238E27FC236}">
-                <a16:creationId xmlns:a16="http://schemas.microsoft.com/office/drawing/2014/main" id="{68C9134A-7ACD-41E4-A87B-8FE36E53EA41}"/>
+                <a16:creationId xmlns:a16="http://schemas.microsoft.com/office/drawing/2014/main" id="{01AC15E5-3D0F-81FD-CA76-716E13212988}"/>
               </a:ext>
             </a:extLst>
           </p:cNvPr>
@@ -990,7 +990,7 @@
           <p:cNvPr id="3" name="文本占位符 2">
             <a:extLst>
               <a:ext uri="{FF2B5EF4-FFF2-40B4-BE49-F238E27FC236}">
-                <a16:creationId xmlns:a16="http://schemas.microsoft.com/office/drawing/2014/main" id="{7C234A55-88D5-0D39-7300-A3A9C464C77E}"/>
+                <a16:creationId xmlns:a16="http://schemas.microsoft.com/office/drawing/2014/main" id="{4FB5A63B-D647-71DD-38F8-FF27F245A4DD}"/>
               </a:ext>
             </a:extLst>
           </p:cNvPr>
@@ -1115,7 +1115,7 @@
           <p:cNvPr id="4" name="日期占位符 3">
             <a:extLst>
               <a:ext uri="{FF2B5EF4-FFF2-40B4-BE49-F238E27FC236}">
-                <a16:creationId xmlns:a16="http://schemas.microsoft.com/office/drawing/2014/main" id="{02FD77C1-0E78-8841-FCAB-C0C690D81045}"/>
+                <a16:creationId xmlns:a16="http://schemas.microsoft.com/office/drawing/2014/main" id="{0C900E3A-DA6E-20F6-48AF-29FA945FD790}"/>
               </a:ext>
             </a:extLst>
           </p:cNvPr>
@@ -1131,7 +1131,7 @@
           <a:bodyPr/>
           <a:lstStyle/>
           <a:p>
-            <a:fld id="{7E991CFA-305B-4731-99C3-CE8314FDBA8C}" type="datetimeFigureOut">
+            <a:fld id="{5D9D3BD1-404A-48C5-B1B0-C7DBC38CEDB6}" type="datetimeFigureOut">
               <a:rPr lang="zh-CN" altLang="en-US" smtClean="0"/>
               <a:t>2024/3/10</a:t>
             </a:fld>
@@ -1144,7 +1144,7 @@
           <p:cNvPr id="5" name="页脚占位符 4">
             <a:extLst>
               <a:ext uri="{FF2B5EF4-FFF2-40B4-BE49-F238E27FC236}">
-                <a16:creationId xmlns:a16="http://schemas.microsoft.com/office/drawing/2014/main" id="{8FC79280-F348-4188-E9D4-6BDB6AAAAC03}"/>
+                <a16:creationId xmlns:a16="http://schemas.microsoft.com/office/drawing/2014/main" id="{F44A6D59-63E6-1A7D-B897-AB0E67B8788C}"/>
               </a:ext>
             </a:extLst>
           </p:cNvPr>
@@ -1169,7 +1169,7 @@
           <p:cNvPr id="6" name="灯片编号占位符 5">
             <a:extLst>
               <a:ext uri="{FF2B5EF4-FFF2-40B4-BE49-F238E27FC236}">
-                <a16:creationId xmlns:a16="http://schemas.microsoft.com/office/drawing/2014/main" id="{2BCA75D4-CE89-C72E-A96A-1D55141EF890}"/>
+                <a16:creationId xmlns:a16="http://schemas.microsoft.com/office/drawing/2014/main" id="{FDC5BD10-D6F6-7762-8B0C-53FE96A58318}"/>
               </a:ext>
             </a:extLst>
           </p:cNvPr>
@@ -1185,7 +1185,7 @@
           <a:bodyPr/>
           <a:lstStyle/>
           <a:p>
-            <a:fld id="{76ABBCF2-4A7A-4ED8-8EE9-29496868999E}" type="slidenum">
+            <a:fld id="{09027BDF-7C58-4AC2-85E7-369342A3F4B6}" type="slidenum">
               <a:rPr lang="zh-CN" altLang="en-US" smtClean="0"/>
               <a:t>‹#›</a:t>
             </a:fld>
@@ -1196,7 +1196,7 @@
     </p:spTree>
     <p:extLst>
       <p:ext uri="{BB962C8B-B14F-4D97-AF65-F5344CB8AC3E}">
-        <p14:creationId xmlns:p14="http://schemas.microsoft.com/office/powerpoint/2010/main" val="2050703468"/>
+        <p14:creationId xmlns:p14="http://schemas.microsoft.com/office/powerpoint/2010/main" val="3243337614"/>
       </p:ext>
     </p:extLst>
   </p:cSld>
@@ -1228,7 +1228,7 @@
           <p:cNvPr id="2" name="标题 1">
             <a:extLst>
               <a:ext uri="{FF2B5EF4-FFF2-40B4-BE49-F238E27FC236}">
-                <a16:creationId xmlns:a16="http://schemas.microsoft.com/office/drawing/2014/main" id="{5D108553-4FF1-8171-ACCB-307CC93C6865}"/>
+                <a16:creationId xmlns:a16="http://schemas.microsoft.com/office/drawing/2014/main" id="{66A516E6-F96A-AC2E-1EA7-14B253B17001}"/>
               </a:ext>
             </a:extLst>
           </p:cNvPr>
@@ -1256,7 +1256,7 @@
           <p:cNvPr id="3" name="内容占位符 2">
             <a:extLst>
               <a:ext uri="{FF2B5EF4-FFF2-40B4-BE49-F238E27FC236}">
-                <a16:creationId xmlns:a16="http://schemas.microsoft.com/office/drawing/2014/main" id="{D8F61D84-8C36-5109-5853-61E8C0883D9F}"/>
+                <a16:creationId xmlns:a16="http://schemas.microsoft.com/office/drawing/2014/main" id="{3FCE220D-FE7F-E491-3369-061F0E5522FB}"/>
               </a:ext>
             </a:extLst>
           </p:cNvPr>
@@ -1318,7 +1318,7 @@
           <p:cNvPr id="4" name="内容占位符 3">
             <a:extLst>
               <a:ext uri="{FF2B5EF4-FFF2-40B4-BE49-F238E27FC236}">
-                <a16:creationId xmlns:a16="http://schemas.microsoft.com/office/drawing/2014/main" id="{7806E30E-478A-7B8F-FF0A-0BB037DB3C7D}"/>
+                <a16:creationId xmlns:a16="http://schemas.microsoft.com/office/drawing/2014/main" id="{BA812123-01FF-E66E-B561-B50AEA887648}"/>
               </a:ext>
             </a:extLst>
           </p:cNvPr>
@@ -1380,7 +1380,7 @@
           <p:cNvPr id="5" name="日期占位符 4">
             <a:extLst>
               <a:ext uri="{FF2B5EF4-FFF2-40B4-BE49-F238E27FC236}">
-                <a16:creationId xmlns:a16="http://schemas.microsoft.com/office/drawing/2014/main" id="{DE8B8DE1-528C-89F9-36B4-2DF77E2E87B7}"/>
+                <a16:creationId xmlns:a16="http://schemas.microsoft.com/office/drawing/2014/main" id="{35876251-3068-088B-63F1-8BD4E96D08CB}"/>
               </a:ext>
             </a:extLst>
           </p:cNvPr>
@@ -1396,7 +1396,7 @@
           <a:bodyPr/>
           <a:lstStyle/>
           <a:p>
-            <a:fld id="{7E991CFA-305B-4731-99C3-CE8314FDBA8C}" type="datetimeFigureOut">
+            <a:fld id="{5D9D3BD1-404A-48C5-B1B0-C7DBC38CEDB6}" type="datetimeFigureOut">
               <a:rPr lang="zh-CN" altLang="en-US" smtClean="0"/>
               <a:t>2024/3/10</a:t>
             </a:fld>
@@ -1409,7 +1409,7 @@
           <p:cNvPr id="6" name="页脚占位符 5">
             <a:extLst>
               <a:ext uri="{FF2B5EF4-FFF2-40B4-BE49-F238E27FC236}">
-                <a16:creationId xmlns:a16="http://schemas.microsoft.com/office/drawing/2014/main" id="{85B067E8-08CF-FDB8-3FA6-0910F2EDCEC2}"/>
+                <a16:creationId xmlns:a16="http://schemas.microsoft.com/office/drawing/2014/main" id="{4D923A26-434D-F419-7B3B-F5CEC479F26F}"/>
               </a:ext>
             </a:extLst>
           </p:cNvPr>
@@ -1434,7 +1434,7 @@
           <p:cNvPr id="7" name="灯片编号占位符 6">
             <a:extLst>
               <a:ext uri="{FF2B5EF4-FFF2-40B4-BE49-F238E27FC236}">
-                <a16:creationId xmlns:a16="http://schemas.microsoft.com/office/drawing/2014/main" id="{F81DE17A-C7E6-C17B-437F-627E535A8D4F}"/>
+                <a16:creationId xmlns:a16="http://schemas.microsoft.com/office/drawing/2014/main" id="{9780AC02-B2C6-AFA7-E69C-1E8E8B9985FE}"/>
               </a:ext>
             </a:extLst>
           </p:cNvPr>
@@ -1450,7 +1450,7 @@
           <a:bodyPr/>
           <a:lstStyle/>
           <a:p>
-            <a:fld id="{76ABBCF2-4A7A-4ED8-8EE9-29496868999E}" type="slidenum">
+            <a:fld id="{09027BDF-7C58-4AC2-85E7-369342A3F4B6}" type="slidenum">
               <a:rPr lang="zh-CN" altLang="en-US" smtClean="0"/>
               <a:t>‹#›</a:t>
             </a:fld>
@@ -1461,7 +1461,7 @@
     </p:spTree>
     <p:extLst>
       <p:ext uri="{BB962C8B-B14F-4D97-AF65-F5344CB8AC3E}">
-        <p14:creationId xmlns:p14="http://schemas.microsoft.com/office/powerpoint/2010/main" val="1325998862"/>
+        <p14:creationId xmlns:p14="http://schemas.microsoft.com/office/powerpoint/2010/main" val="3731293330"/>
       </p:ext>
     </p:extLst>
   </p:cSld>
@@ -1493,7 +1493,7 @@
           <p:cNvPr id="2" name="标题 1">
             <a:extLst>
               <a:ext uri="{FF2B5EF4-FFF2-40B4-BE49-F238E27FC236}">
-                <a16:creationId xmlns:a16="http://schemas.microsoft.com/office/drawing/2014/main" id="{4FA24339-2438-020F-8CA1-617DDD7E4440}"/>
+                <a16:creationId xmlns:a16="http://schemas.microsoft.com/office/drawing/2014/main" id="{08FCF35B-DE1C-4903-F077-121672CD11F7}"/>
               </a:ext>
             </a:extLst>
           </p:cNvPr>
@@ -1526,7 +1526,7 @@
           <p:cNvPr id="3" name="文本占位符 2">
             <a:extLst>
               <a:ext uri="{FF2B5EF4-FFF2-40B4-BE49-F238E27FC236}">
-                <a16:creationId xmlns:a16="http://schemas.microsoft.com/office/drawing/2014/main" id="{A8FEA3FA-04C0-18C5-22D1-CCEFB217AD01}"/>
+                <a16:creationId xmlns:a16="http://schemas.microsoft.com/office/drawing/2014/main" id="{6592A069-6710-B774-98DF-0DE14D29E3E5}"/>
               </a:ext>
             </a:extLst>
           </p:cNvPr>
@@ -1597,7 +1597,7 @@
           <p:cNvPr id="4" name="内容占位符 3">
             <a:extLst>
               <a:ext uri="{FF2B5EF4-FFF2-40B4-BE49-F238E27FC236}">
-                <a16:creationId xmlns:a16="http://schemas.microsoft.com/office/drawing/2014/main" id="{4E05F001-952B-6BA9-1921-BA549CD8F7C4}"/>
+                <a16:creationId xmlns:a16="http://schemas.microsoft.com/office/drawing/2014/main" id="{B6B6221C-C5B5-BCA0-B60B-34A44349D592}"/>
               </a:ext>
             </a:extLst>
           </p:cNvPr>
@@ -1659,7 +1659,7 @@
           <p:cNvPr id="5" name="文本占位符 4">
             <a:extLst>
               <a:ext uri="{FF2B5EF4-FFF2-40B4-BE49-F238E27FC236}">
-                <a16:creationId xmlns:a16="http://schemas.microsoft.com/office/drawing/2014/main" id="{6F8FF151-EC06-C6B8-8641-6F7A78E9A968}"/>
+                <a16:creationId xmlns:a16="http://schemas.microsoft.com/office/drawing/2014/main" id="{247F4993-C85F-70BD-B83E-4D3E2689645E}"/>
               </a:ext>
             </a:extLst>
           </p:cNvPr>
@@ -1730,7 +1730,7 @@
           <p:cNvPr id="6" name="内容占位符 5">
             <a:extLst>
               <a:ext uri="{FF2B5EF4-FFF2-40B4-BE49-F238E27FC236}">
-                <a16:creationId xmlns:a16="http://schemas.microsoft.com/office/drawing/2014/main" id="{DC916612-BE85-833B-0D2C-E14347AC06C4}"/>
+                <a16:creationId xmlns:a16="http://schemas.microsoft.com/office/drawing/2014/main" id="{66CAFFCF-8AEE-CF3F-ECDC-0861E5101040}"/>
               </a:ext>
             </a:extLst>
           </p:cNvPr>
@@ -1792,7 +1792,7 @@
           <p:cNvPr id="7" name="日期占位符 6">
             <a:extLst>
               <a:ext uri="{FF2B5EF4-FFF2-40B4-BE49-F238E27FC236}">
-                <a16:creationId xmlns:a16="http://schemas.microsoft.com/office/drawing/2014/main" id="{44CEF2BD-6023-6FE4-C2F4-115C872C4918}"/>
+                <a16:creationId xmlns:a16="http://schemas.microsoft.com/office/drawing/2014/main" id="{980310E7-93F7-238E-E813-54773BC3CF6E}"/>
               </a:ext>
             </a:extLst>
           </p:cNvPr>
@@ -1808,7 +1808,7 @@
           <a:bodyPr/>
           <a:lstStyle/>
           <a:p>
-            <a:fld id="{7E991CFA-305B-4731-99C3-CE8314FDBA8C}" type="datetimeFigureOut">
+            <a:fld id="{5D9D3BD1-404A-48C5-B1B0-C7DBC38CEDB6}" type="datetimeFigureOut">
               <a:rPr lang="zh-CN" altLang="en-US" smtClean="0"/>
               <a:t>2024/3/10</a:t>
             </a:fld>
@@ -1821,7 +1821,7 @@
           <p:cNvPr id="8" name="页脚占位符 7">
             <a:extLst>
               <a:ext uri="{FF2B5EF4-FFF2-40B4-BE49-F238E27FC236}">
-                <a16:creationId xmlns:a16="http://schemas.microsoft.com/office/drawing/2014/main" id="{CAD82BAB-670B-0A99-5CCE-A22C3338EE84}"/>
+                <a16:creationId xmlns:a16="http://schemas.microsoft.com/office/drawing/2014/main" id="{B78C1152-6C81-F842-E85B-222112954715}"/>
               </a:ext>
             </a:extLst>
           </p:cNvPr>
@@ -1846,7 +1846,7 @@
           <p:cNvPr id="9" name="灯片编号占位符 8">
             <a:extLst>
               <a:ext uri="{FF2B5EF4-FFF2-40B4-BE49-F238E27FC236}">
-                <a16:creationId xmlns:a16="http://schemas.microsoft.com/office/drawing/2014/main" id="{30F23404-B39E-4C6A-2FF3-8F8B0006D7CE}"/>
+                <a16:creationId xmlns:a16="http://schemas.microsoft.com/office/drawing/2014/main" id="{5DCEF31E-02DE-A7A2-05AB-D44E8C0E72C2}"/>
               </a:ext>
             </a:extLst>
           </p:cNvPr>
@@ -1862,7 +1862,7 @@
           <a:bodyPr/>
           <a:lstStyle/>
           <a:p>
-            <a:fld id="{76ABBCF2-4A7A-4ED8-8EE9-29496868999E}" type="slidenum">
+            <a:fld id="{09027BDF-7C58-4AC2-85E7-369342A3F4B6}" type="slidenum">
               <a:rPr lang="zh-CN" altLang="en-US" smtClean="0"/>
               <a:t>‹#›</a:t>
             </a:fld>
@@ -1873,7 +1873,7 @@
     </p:spTree>
     <p:extLst>
       <p:ext uri="{BB962C8B-B14F-4D97-AF65-F5344CB8AC3E}">
-        <p14:creationId xmlns:p14="http://schemas.microsoft.com/office/powerpoint/2010/main" val="1852833722"/>
+        <p14:creationId xmlns:p14="http://schemas.microsoft.com/office/powerpoint/2010/main" val="1303774018"/>
       </p:ext>
     </p:extLst>
   </p:cSld>
@@ -1905,7 +1905,7 @@
           <p:cNvPr id="2" name="标题 1">
             <a:extLst>
               <a:ext uri="{FF2B5EF4-FFF2-40B4-BE49-F238E27FC236}">
-                <a16:creationId xmlns:a16="http://schemas.microsoft.com/office/drawing/2014/main" id="{10F7BB4F-522D-C49C-35EC-DD0B9EEF356D}"/>
+                <a16:creationId xmlns:a16="http://schemas.microsoft.com/office/drawing/2014/main" id="{5B6A297C-5D9B-E904-471E-F43E2FFA8305}"/>
               </a:ext>
             </a:extLst>
           </p:cNvPr>
@@ -1933,7 +1933,7 @@
           <p:cNvPr id="3" name="日期占位符 2">
             <a:extLst>
               <a:ext uri="{FF2B5EF4-FFF2-40B4-BE49-F238E27FC236}">
-                <a16:creationId xmlns:a16="http://schemas.microsoft.com/office/drawing/2014/main" id="{66272A59-D9E2-C05E-1F08-B6CFFCE477D1}"/>
+                <a16:creationId xmlns:a16="http://schemas.microsoft.com/office/drawing/2014/main" id="{DB514916-224C-0DEE-D644-F03481B73F9D}"/>
               </a:ext>
             </a:extLst>
           </p:cNvPr>
@@ -1949,7 +1949,7 @@
           <a:bodyPr/>
           <a:lstStyle/>
           <a:p>
-            <a:fld id="{7E991CFA-305B-4731-99C3-CE8314FDBA8C}" type="datetimeFigureOut">
+            <a:fld id="{5D9D3BD1-404A-48C5-B1B0-C7DBC38CEDB6}" type="datetimeFigureOut">
               <a:rPr lang="zh-CN" altLang="en-US" smtClean="0"/>
               <a:t>2024/3/10</a:t>
             </a:fld>
@@ -1962,7 +1962,7 @@
           <p:cNvPr id="4" name="页脚占位符 3">
             <a:extLst>
               <a:ext uri="{FF2B5EF4-FFF2-40B4-BE49-F238E27FC236}">
-                <a16:creationId xmlns:a16="http://schemas.microsoft.com/office/drawing/2014/main" id="{1B39BFAE-B787-A731-CFDB-4B3B2C8FE7EC}"/>
+                <a16:creationId xmlns:a16="http://schemas.microsoft.com/office/drawing/2014/main" id="{0B0A0C56-155E-630D-3C08-41273EA71449}"/>
               </a:ext>
             </a:extLst>
           </p:cNvPr>
@@ -1987,7 +1987,7 @@
           <p:cNvPr id="5" name="灯片编号占位符 4">
             <a:extLst>
               <a:ext uri="{FF2B5EF4-FFF2-40B4-BE49-F238E27FC236}">
-                <a16:creationId xmlns:a16="http://schemas.microsoft.com/office/drawing/2014/main" id="{4CFE77E7-1849-8172-83C1-0D2C151FE986}"/>
+                <a16:creationId xmlns:a16="http://schemas.microsoft.com/office/drawing/2014/main" id="{618FF0B7-CEF2-14E8-0CFA-1A3DFBE0DFF6}"/>
               </a:ext>
             </a:extLst>
           </p:cNvPr>
@@ -2003,7 +2003,7 @@
           <a:bodyPr/>
           <a:lstStyle/>
           <a:p>
-            <a:fld id="{76ABBCF2-4A7A-4ED8-8EE9-29496868999E}" type="slidenum">
+            <a:fld id="{09027BDF-7C58-4AC2-85E7-369342A3F4B6}" type="slidenum">
               <a:rPr lang="zh-CN" altLang="en-US" smtClean="0"/>
               <a:t>‹#›</a:t>
             </a:fld>
@@ -2014,7 +2014,7 @@
     </p:spTree>
     <p:extLst>
       <p:ext uri="{BB962C8B-B14F-4D97-AF65-F5344CB8AC3E}">
-        <p14:creationId xmlns:p14="http://schemas.microsoft.com/office/powerpoint/2010/main" val="3206049902"/>
+        <p14:creationId xmlns:p14="http://schemas.microsoft.com/office/powerpoint/2010/main" val="2180585794"/>
       </p:ext>
     </p:extLst>
   </p:cSld>
@@ -2046,7 +2046,7 @@
           <p:cNvPr id="2" name="日期占位符 1">
             <a:extLst>
               <a:ext uri="{FF2B5EF4-FFF2-40B4-BE49-F238E27FC236}">
-                <a16:creationId xmlns:a16="http://schemas.microsoft.com/office/drawing/2014/main" id="{D7477ADA-52AB-15FD-FC4B-E472A1F420EB}"/>
+                <a16:creationId xmlns:a16="http://schemas.microsoft.com/office/drawing/2014/main" id="{34F76A85-5A05-7731-717B-06D6A60E53A9}"/>
               </a:ext>
             </a:extLst>
           </p:cNvPr>
@@ -2062,7 +2062,7 @@
           <a:bodyPr/>
           <a:lstStyle/>
           <a:p>
-            <a:fld id="{7E991CFA-305B-4731-99C3-CE8314FDBA8C}" type="datetimeFigureOut">
+            <a:fld id="{5D9D3BD1-404A-48C5-B1B0-C7DBC38CEDB6}" type="datetimeFigureOut">
               <a:rPr lang="zh-CN" altLang="en-US" smtClean="0"/>
               <a:t>2024/3/10</a:t>
             </a:fld>
@@ -2075,7 +2075,7 @@
           <p:cNvPr id="3" name="页脚占位符 2">
             <a:extLst>
               <a:ext uri="{FF2B5EF4-FFF2-40B4-BE49-F238E27FC236}">
-                <a16:creationId xmlns:a16="http://schemas.microsoft.com/office/drawing/2014/main" id="{F5B1EF6B-5023-727B-BE60-61E88104CE11}"/>
+                <a16:creationId xmlns:a16="http://schemas.microsoft.com/office/drawing/2014/main" id="{BA7052FD-45D3-17C0-786C-25E524448730}"/>
               </a:ext>
             </a:extLst>
           </p:cNvPr>
@@ -2100,7 +2100,7 @@
           <p:cNvPr id="4" name="灯片编号占位符 3">
             <a:extLst>
               <a:ext uri="{FF2B5EF4-FFF2-40B4-BE49-F238E27FC236}">
-                <a16:creationId xmlns:a16="http://schemas.microsoft.com/office/drawing/2014/main" id="{42B234E0-2B27-A7C7-612A-E529E40C0BBA}"/>
+                <a16:creationId xmlns:a16="http://schemas.microsoft.com/office/drawing/2014/main" id="{DCEA2773-D24B-912B-BD4A-87050932B1D0}"/>
               </a:ext>
             </a:extLst>
           </p:cNvPr>
@@ -2116,7 +2116,7 @@
           <a:bodyPr/>
           <a:lstStyle/>
           <a:p>
-            <a:fld id="{76ABBCF2-4A7A-4ED8-8EE9-29496868999E}" type="slidenum">
+            <a:fld id="{09027BDF-7C58-4AC2-85E7-369342A3F4B6}" type="slidenum">
               <a:rPr lang="zh-CN" altLang="en-US" smtClean="0"/>
               <a:t>‹#›</a:t>
             </a:fld>
@@ -2127,7 +2127,7 @@
     </p:spTree>
     <p:extLst>
       <p:ext uri="{BB962C8B-B14F-4D97-AF65-F5344CB8AC3E}">
-        <p14:creationId xmlns:p14="http://schemas.microsoft.com/office/powerpoint/2010/main" val="223724983"/>
+        <p14:creationId xmlns:p14="http://schemas.microsoft.com/office/powerpoint/2010/main" val="423614483"/>
       </p:ext>
     </p:extLst>
   </p:cSld>
@@ -2159,7 +2159,7 @@
           <p:cNvPr id="2" name="标题 1">
             <a:extLst>
               <a:ext uri="{FF2B5EF4-FFF2-40B4-BE49-F238E27FC236}">
-                <a16:creationId xmlns:a16="http://schemas.microsoft.com/office/drawing/2014/main" id="{6F4BCE71-3D3B-06ED-4DE9-358C9BF9260E}"/>
+                <a16:creationId xmlns:a16="http://schemas.microsoft.com/office/drawing/2014/main" id="{6B7DAB89-CBB2-C68A-F320-BBE5D04F0884}"/>
               </a:ext>
             </a:extLst>
           </p:cNvPr>
@@ -2196,7 +2196,7 @@
           <p:cNvPr id="3" name="内容占位符 2">
             <a:extLst>
               <a:ext uri="{FF2B5EF4-FFF2-40B4-BE49-F238E27FC236}">
-                <a16:creationId xmlns:a16="http://schemas.microsoft.com/office/drawing/2014/main" id="{20A81A8D-6548-7435-6DBD-A2D270ABBF8F}"/>
+                <a16:creationId xmlns:a16="http://schemas.microsoft.com/office/drawing/2014/main" id="{B65DBA13-5B0D-0D2E-CC40-E15BC9A35A46}"/>
               </a:ext>
             </a:extLst>
           </p:cNvPr>
@@ -2286,7 +2286,7 @@
           <p:cNvPr id="4" name="文本占位符 3">
             <a:extLst>
               <a:ext uri="{FF2B5EF4-FFF2-40B4-BE49-F238E27FC236}">
-                <a16:creationId xmlns:a16="http://schemas.microsoft.com/office/drawing/2014/main" id="{E8962A13-BEB6-6C0B-6377-BE2EA6C3BBAD}"/>
+                <a16:creationId xmlns:a16="http://schemas.microsoft.com/office/drawing/2014/main" id="{1171BB4A-81EB-64B4-0D5B-4EBF4FF3DDE6}"/>
               </a:ext>
             </a:extLst>
           </p:cNvPr>
@@ -2357,7 +2357,7 @@
           <p:cNvPr id="5" name="日期占位符 4">
             <a:extLst>
               <a:ext uri="{FF2B5EF4-FFF2-40B4-BE49-F238E27FC236}">
-                <a16:creationId xmlns:a16="http://schemas.microsoft.com/office/drawing/2014/main" id="{86959499-F83B-3ED1-3133-DD39AAD6B07F}"/>
+                <a16:creationId xmlns:a16="http://schemas.microsoft.com/office/drawing/2014/main" id="{AA50A76C-0938-AB6C-83B0-5E3112F00E3B}"/>
               </a:ext>
             </a:extLst>
           </p:cNvPr>
@@ -2373,7 +2373,7 @@
           <a:bodyPr/>
           <a:lstStyle/>
           <a:p>
-            <a:fld id="{7E991CFA-305B-4731-99C3-CE8314FDBA8C}" type="datetimeFigureOut">
+            <a:fld id="{5D9D3BD1-404A-48C5-B1B0-C7DBC38CEDB6}" type="datetimeFigureOut">
               <a:rPr lang="zh-CN" altLang="en-US" smtClean="0"/>
               <a:t>2024/3/10</a:t>
             </a:fld>
@@ -2386,7 +2386,7 @@
           <p:cNvPr id="6" name="页脚占位符 5">
             <a:extLst>
               <a:ext uri="{FF2B5EF4-FFF2-40B4-BE49-F238E27FC236}">
-                <a16:creationId xmlns:a16="http://schemas.microsoft.com/office/drawing/2014/main" id="{9EDCC91D-73B6-8EC8-993A-26F6DB688063}"/>
+                <a16:creationId xmlns:a16="http://schemas.microsoft.com/office/drawing/2014/main" id="{A533FF36-6A8A-97F9-558E-BD86A0C3E62B}"/>
               </a:ext>
             </a:extLst>
           </p:cNvPr>
@@ -2411,7 +2411,7 @@
           <p:cNvPr id="7" name="灯片编号占位符 6">
             <a:extLst>
               <a:ext uri="{FF2B5EF4-FFF2-40B4-BE49-F238E27FC236}">
-                <a16:creationId xmlns:a16="http://schemas.microsoft.com/office/drawing/2014/main" id="{F5F30727-2954-FAF2-23D0-E38622AC2DE3}"/>
+                <a16:creationId xmlns:a16="http://schemas.microsoft.com/office/drawing/2014/main" id="{BF8427E8-5B7F-5BF7-45BA-DDC6A17FE682}"/>
               </a:ext>
             </a:extLst>
           </p:cNvPr>
@@ -2427,7 +2427,7 @@
           <a:bodyPr/>
           <a:lstStyle/>
           <a:p>
-            <a:fld id="{76ABBCF2-4A7A-4ED8-8EE9-29496868999E}" type="slidenum">
+            <a:fld id="{09027BDF-7C58-4AC2-85E7-369342A3F4B6}" type="slidenum">
               <a:rPr lang="zh-CN" altLang="en-US" smtClean="0"/>
               <a:t>‹#›</a:t>
             </a:fld>
@@ -2438,7 +2438,7 @@
     </p:spTree>
     <p:extLst>
       <p:ext uri="{BB962C8B-B14F-4D97-AF65-F5344CB8AC3E}">
-        <p14:creationId xmlns:p14="http://schemas.microsoft.com/office/powerpoint/2010/main" val="516037920"/>
+        <p14:creationId xmlns:p14="http://schemas.microsoft.com/office/powerpoint/2010/main" val="4219002675"/>
       </p:ext>
     </p:extLst>
   </p:cSld>
@@ -2470,7 +2470,7 @@
           <p:cNvPr id="2" name="标题 1">
             <a:extLst>
               <a:ext uri="{FF2B5EF4-FFF2-40B4-BE49-F238E27FC236}">
-                <a16:creationId xmlns:a16="http://schemas.microsoft.com/office/drawing/2014/main" id="{0E86A0C8-1367-F20E-5C8C-350517BDEE85}"/>
+                <a16:creationId xmlns:a16="http://schemas.microsoft.com/office/drawing/2014/main" id="{112F23BF-7E3C-F868-6B00-27DB4D622818}"/>
               </a:ext>
             </a:extLst>
           </p:cNvPr>
@@ -2507,7 +2507,7 @@
           <p:cNvPr id="3" name="图片占位符 2">
             <a:extLst>
               <a:ext uri="{FF2B5EF4-FFF2-40B4-BE49-F238E27FC236}">
-                <a16:creationId xmlns:a16="http://schemas.microsoft.com/office/drawing/2014/main" id="{8B1579BA-911F-40C2-2A0F-96E564E453E2}"/>
+                <a16:creationId xmlns:a16="http://schemas.microsoft.com/office/drawing/2014/main" id="{D423FE63-3BE6-AAC0-F771-77D732F61A33}"/>
               </a:ext>
             </a:extLst>
           </p:cNvPr>
@@ -2574,7 +2574,7 @@
           <p:cNvPr id="4" name="文本占位符 3">
             <a:extLst>
               <a:ext uri="{FF2B5EF4-FFF2-40B4-BE49-F238E27FC236}">
-                <a16:creationId xmlns:a16="http://schemas.microsoft.com/office/drawing/2014/main" id="{0BC91F8D-6A13-BBAF-1083-4FA52C1F8F51}"/>
+                <a16:creationId xmlns:a16="http://schemas.microsoft.com/office/drawing/2014/main" id="{58F066D8-8EE2-39AD-1643-8D4B2E39AE48}"/>
               </a:ext>
             </a:extLst>
           </p:cNvPr>
@@ -2645,7 +2645,7 @@
           <p:cNvPr id="5" name="日期占位符 4">
             <a:extLst>
               <a:ext uri="{FF2B5EF4-FFF2-40B4-BE49-F238E27FC236}">
-                <a16:creationId xmlns:a16="http://schemas.microsoft.com/office/drawing/2014/main" id="{D29E2A69-85FF-F974-5F88-0B6142F1B2FF}"/>
+                <a16:creationId xmlns:a16="http://schemas.microsoft.com/office/drawing/2014/main" id="{7215232E-0180-192C-3C65-3BD355890FB0}"/>
               </a:ext>
             </a:extLst>
           </p:cNvPr>
@@ -2661,7 +2661,7 @@
           <a:bodyPr/>
           <a:lstStyle/>
           <a:p>
-            <a:fld id="{7E991CFA-305B-4731-99C3-CE8314FDBA8C}" type="datetimeFigureOut">
+            <a:fld id="{5D9D3BD1-404A-48C5-B1B0-C7DBC38CEDB6}" type="datetimeFigureOut">
               <a:rPr lang="zh-CN" altLang="en-US" smtClean="0"/>
               <a:t>2024/3/10</a:t>
             </a:fld>
@@ -2674,7 +2674,7 @@
           <p:cNvPr id="6" name="页脚占位符 5">
             <a:extLst>
               <a:ext uri="{FF2B5EF4-FFF2-40B4-BE49-F238E27FC236}">
-                <a16:creationId xmlns:a16="http://schemas.microsoft.com/office/drawing/2014/main" id="{9758D617-A147-DDDF-04EB-CDEF7B5AEB05}"/>
+                <a16:creationId xmlns:a16="http://schemas.microsoft.com/office/drawing/2014/main" id="{F67BA06E-160F-8CC1-A8BB-B2C0D632BE8C}"/>
               </a:ext>
             </a:extLst>
           </p:cNvPr>
@@ -2699,7 +2699,7 @@
           <p:cNvPr id="7" name="灯片编号占位符 6">
             <a:extLst>
               <a:ext uri="{FF2B5EF4-FFF2-40B4-BE49-F238E27FC236}">
-                <a16:creationId xmlns:a16="http://schemas.microsoft.com/office/drawing/2014/main" id="{CE27FF34-A949-DE87-99BE-97C4C2285F96}"/>
+                <a16:creationId xmlns:a16="http://schemas.microsoft.com/office/drawing/2014/main" id="{92EF3A24-66C3-3EA2-52C3-A652FFEA3EAA}"/>
               </a:ext>
             </a:extLst>
           </p:cNvPr>
@@ -2715,7 +2715,7 @@
           <a:bodyPr/>
           <a:lstStyle/>
           <a:p>
-            <a:fld id="{76ABBCF2-4A7A-4ED8-8EE9-29496868999E}" type="slidenum">
+            <a:fld id="{09027BDF-7C58-4AC2-85E7-369342A3F4B6}" type="slidenum">
               <a:rPr lang="zh-CN" altLang="en-US" smtClean="0"/>
               <a:t>‹#›</a:t>
             </a:fld>
@@ -2726,7 +2726,7 @@
     </p:spTree>
     <p:extLst>
       <p:ext uri="{BB962C8B-B14F-4D97-AF65-F5344CB8AC3E}">
-        <p14:creationId xmlns:p14="http://schemas.microsoft.com/office/powerpoint/2010/main" val="3499146825"/>
+        <p14:creationId xmlns:p14="http://schemas.microsoft.com/office/powerpoint/2010/main" val="1071205270"/>
       </p:ext>
     </p:extLst>
   </p:cSld>
@@ -2763,7 +2763,7 @@
           <p:cNvPr id="2" name="标题占位符 1">
             <a:extLst>
               <a:ext uri="{FF2B5EF4-FFF2-40B4-BE49-F238E27FC236}">
-                <a16:creationId xmlns:a16="http://schemas.microsoft.com/office/drawing/2014/main" id="{AB69B8CE-9A22-2213-7273-9E97E1C82FDF}"/>
+                <a16:creationId xmlns:a16="http://schemas.microsoft.com/office/drawing/2014/main" id="{1F561767-CB91-A6DF-D10B-A17FE9A1A5E4}"/>
               </a:ext>
             </a:extLst>
           </p:cNvPr>
@@ -2801,7 +2801,7 @@
           <p:cNvPr id="3" name="文本占位符 2">
             <a:extLst>
               <a:ext uri="{FF2B5EF4-FFF2-40B4-BE49-F238E27FC236}">
-                <a16:creationId xmlns:a16="http://schemas.microsoft.com/office/drawing/2014/main" id="{A695A500-317E-7FA6-0293-7D5315BFAE2B}"/>
+                <a16:creationId xmlns:a16="http://schemas.microsoft.com/office/drawing/2014/main" id="{EDFE8709-5E2E-A5BF-8B59-55E6829D6F3A}"/>
               </a:ext>
             </a:extLst>
           </p:cNvPr>
@@ -2868,7 +2868,7 @@
           <p:cNvPr id="4" name="日期占位符 3">
             <a:extLst>
               <a:ext uri="{FF2B5EF4-FFF2-40B4-BE49-F238E27FC236}">
-                <a16:creationId xmlns:a16="http://schemas.microsoft.com/office/drawing/2014/main" id="{BE1E3E85-B1B1-353C-F430-A48B39DEC8F4}"/>
+                <a16:creationId xmlns:a16="http://schemas.microsoft.com/office/drawing/2014/main" id="{D90F41D6-C34E-7EE9-4F67-69B0D2363A74}"/>
               </a:ext>
             </a:extLst>
           </p:cNvPr>
@@ -2902,7 +2902,7 @@
             </a:lvl1pPr>
           </a:lstStyle>
           <a:p>
-            <a:fld id="{7E991CFA-305B-4731-99C3-CE8314FDBA8C}" type="datetimeFigureOut">
+            <a:fld id="{5D9D3BD1-404A-48C5-B1B0-C7DBC38CEDB6}" type="datetimeFigureOut">
               <a:rPr lang="zh-CN" altLang="en-US" smtClean="0"/>
               <a:t>2024/3/10</a:t>
             </a:fld>
@@ -2915,7 +2915,7 @@
           <p:cNvPr id="5" name="页脚占位符 4">
             <a:extLst>
               <a:ext uri="{FF2B5EF4-FFF2-40B4-BE49-F238E27FC236}">
-                <a16:creationId xmlns:a16="http://schemas.microsoft.com/office/drawing/2014/main" id="{72478518-2FB6-31E4-38DD-05DA1C132034}"/>
+                <a16:creationId xmlns:a16="http://schemas.microsoft.com/office/drawing/2014/main" id="{2A53D75A-AB00-C325-1CCA-D0E8AE2AAEE3}"/>
               </a:ext>
             </a:extLst>
           </p:cNvPr>
@@ -2958,7 +2958,7 @@
           <p:cNvPr id="6" name="灯片编号占位符 5">
             <a:extLst>
               <a:ext uri="{FF2B5EF4-FFF2-40B4-BE49-F238E27FC236}">
-                <a16:creationId xmlns:a16="http://schemas.microsoft.com/office/drawing/2014/main" id="{1CF27EF6-EFA9-33FB-E6E5-2DBE127B00E2}"/>
+                <a16:creationId xmlns:a16="http://schemas.microsoft.com/office/drawing/2014/main" id="{974F2B20-8CFB-6DE7-E0AD-8DE1E5E541F7}"/>
               </a:ext>
             </a:extLst>
           </p:cNvPr>
@@ -2992,7 +2992,7 @@
             </a:lvl1pPr>
           </a:lstStyle>
           <a:p>
-            <a:fld id="{76ABBCF2-4A7A-4ED8-8EE9-29496868999E}" type="slidenum">
+            <a:fld id="{09027BDF-7C58-4AC2-85E7-369342A3F4B6}" type="slidenum">
               <a:rPr lang="zh-CN" altLang="en-US" smtClean="0"/>
               <a:t>‹#›</a:t>
             </a:fld>
@@ -3003,7 +3003,7 @@
     </p:spTree>
     <p:extLst>
       <p:ext uri="{BB962C8B-B14F-4D97-AF65-F5344CB8AC3E}">
-        <p14:creationId xmlns:p14="http://schemas.microsoft.com/office/powerpoint/2010/main" val="2256675346"/>
+        <p14:creationId xmlns:p14="http://schemas.microsoft.com/office/powerpoint/2010/main" val="3671428720"/>
       </p:ext>
     </p:extLst>
   </p:cSld>
@@ -3323,7 +3323,7 @@
       </p:grpSpPr>
       <p:pic>
         <p:nvPicPr>
-          <p:cNvPr id="524290" name="Picture 2" descr="511"/>
+          <p:cNvPr id="525314" name="Picture 2" descr="512"/>
           <p:cNvPicPr>
             <a:picLocks noChangeAspect="1" noChangeArrowheads="1"/>
           </p:cNvPicPr>
@@ -3344,8 +3344,8 @@
         </p:blipFill>
         <p:spPr bwMode="auto">
           <a:xfrm>
-            <a:off x="1524000" y="1"/>
-            <a:ext cx="9144000" cy="6308725"/>
+            <a:off x="1524000" y="0"/>
+            <a:ext cx="9144000" cy="6859588"/>
           </a:xfrm>
           <a:prstGeom prst="rect">
             <a:avLst/>
@@ -3375,158 +3375,11 @@
           </a:extLst>
         </p:spPr>
       </p:pic>
-      <p:pic>
-        <p:nvPicPr>
-          <p:cNvPr id="525315" name="Picture 3" descr="511-2"/>
-          <p:cNvPicPr>
-            <a:picLocks noChangeAspect="1" noChangeArrowheads="1"/>
-          </p:cNvPicPr>
-          <p:nvPr/>
-        </p:nvPicPr>
-        <p:blipFill>
-          <a:blip r:embed="rId3">
-            <a:extLst>
-              <a:ext uri="{28A0092B-C50C-407E-A947-70E740481C1C}">
-                <a14:useLocalDpi xmlns:a14="http://schemas.microsoft.com/office/drawing/2010/main" val="0"/>
-              </a:ext>
-            </a:extLst>
-          </a:blip>
-          <a:srcRect/>
-          <a:stretch>
-            <a:fillRect/>
-          </a:stretch>
-        </p:blipFill>
-        <p:spPr bwMode="auto">
-          <a:xfrm>
-            <a:off x="1524000" y="1"/>
-            <a:ext cx="9144000" cy="6454775"/>
-          </a:xfrm>
-          <a:prstGeom prst="rect">
-            <a:avLst/>
-          </a:prstGeom>
-          <a:noFill/>
-          <a:ln>
-            <a:noFill/>
-          </a:ln>
-          <a:effectLst/>
-          <a:extLst>
-            <a:ext uri="{909E8E84-426E-40DD-AFC4-6F175D3DCCD1}">
-              <a14:hiddenFill xmlns:a14="http://schemas.microsoft.com/office/drawing/2010/main">
-                <a:solidFill>
-                  <a:srgbClr val="FFFFFF"/>
-                </a:solidFill>
-              </a14:hiddenFill>
-            </a:ext>
-            <a:ext uri="{91240B29-F687-4F45-9708-019B960494DF}">
-              <a14:hiddenLine xmlns:a14="http://schemas.microsoft.com/office/drawing/2010/main" w="9525">
-                <a:solidFill>
-                  <a:srgbClr val="000000"/>
-                </a:solidFill>
-                <a:miter lim="800000"/>
-                <a:headEnd/>
-                <a:tailEnd/>
-              </a14:hiddenLine>
-            </a:ext>
-            <a:ext uri="{AF507438-7753-43E0-B8FC-AC1667EBCBE1}">
-              <a14:hiddenEffects xmlns:a14="http://schemas.microsoft.com/office/drawing/2010/main">
-                <a:effectLst>
-                  <a:outerShdw dist="35921" dir="2700000" algn="ctr" rotWithShape="0">
-                    <a:srgbClr val="808080"/>
-                  </a:outerShdw>
-                </a:effectLst>
-              </a14:hiddenEffects>
-            </a:ext>
-          </a:extLst>
-        </p:spPr>
-      </p:pic>
     </p:spTree>
   </p:cSld>
   <p:clrMapOvr>
     <a:masterClrMapping/>
   </p:clrMapOvr>
-  <p:timing>
-    <p:tnLst>
-      <p:par>
-        <p:cTn id="1" dur="indefinite" restart="never" nodeType="tmRoot">
-          <p:childTnLst>
-            <p:seq concurrent="1" nextAc="seek">
-              <p:cTn id="2" dur="indefinite" nodeType="mainSeq">
-                <p:childTnLst>
-                  <p:par>
-                    <p:cTn id="3" fill="hold" nodeType="clickPar">
-                      <p:stCondLst>
-                        <p:cond delay="indefinite"/>
-                      </p:stCondLst>
-                      <p:childTnLst>
-                        <p:par>
-                          <p:cTn id="4" fill="hold" nodeType="withGroup">
-                            <p:stCondLst>
-                              <p:cond delay="0"/>
-                            </p:stCondLst>
-                            <p:childTnLst>
-                              <p:par>
-                                <p:cTn id="5" presetID="10" presetClass="entr" presetSubtype="0" fill="hold" nodeType="clickEffect">
-                                  <p:stCondLst>
-                                    <p:cond delay="0"/>
-                                  </p:stCondLst>
-                                  <p:childTnLst>
-                                    <p:set>
-                                      <p:cBhvr>
-                                        <p:cTn id="6" dur="1" fill="hold">
-                                          <p:stCondLst>
-                                            <p:cond delay="0"/>
-                                          </p:stCondLst>
-                                        </p:cTn>
-                                        <p:tgtEl>
-                                          <p:spTgt spid="525315"/>
-                                        </p:tgtEl>
-                                        <p:attrNameLst>
-                                          <p:attrName>style.visibility</p:attrName>
-                                        </p:attrNameLst>
-                                      </p:cBhvr>
-                                      <p:to>
-                                        <p:strVal val="visible"/>
-                                      </p:to>
-                                    </p:set>
-                                    <p:animEffect transition="in" filter="fade">
-                                      <p:cBhvr>
-                                        <p:cTn id="7" dur="500"/>
-                                        <p:tgtEl>
-                                          <p:spTgt spid="525315"/>
-                                        </p:tgtEl>
-                                      </p:cBhvr>
-                                    </p:animEffect>
-                                  </p:childTnLst>
-                                </p:cTn>
-                              </p:par>
-                            </p:childTnLst>
-                          </p:cTn>
-                        </p:par>
-                      </p:childTnLst>
-                    </p:cTn>
-                  </p:par>
-                </p:childTnLst>
-              </p:cTn>
-              <p:prevCondLst>
-                <p:cond evt="onPrev" delay="0">
-                  <p:tgtEl>
-                    <p:sldTgt/>
-                  </p:tgtEl>
-                </p:cond>
-              </p:prevCondLst>
-              <p:nextCondLst>
-                <p:cond evt="onNext" delay="0">
-                  <p:tgtEl>
-                    <p:sldTgt/>
-                  </p:tgtEl>
-                </p:cond>
-              </p:nextCondLst>
-            </p:seq>
-          </p:childTnLst>
-        </p:cTn>
-      </p:par>
-    </p:tnLst>
-  </p:timing>
 </p:sld>
 </file>
 
